--- a/docs/framework.pptx
+++ b/docs/framework.pptx
@@ -6,6 +6,8 @@
   </p:sldMasterIdLst>
   <p:sldIdLst>
     <p:sldId id="256" r:id="rId2"/>
+    <p:sldId id="257" r:id="rId3"/>
+    <p:sldId id="258" r:id="rId4"/>
   </p:sldIdLst>
   <p:sldSz cx="12192000" cy="6858000"/>
   <p:notesSz cx="6858000" cy="9144000"/>
@@ -270,7 +272,7 @@
           <a:p>
             <a:fld id="{1D8459D6-ECED-4443-BF3B-0E3201C0E04C}" type="datetimeFigureOut">
               <a:rPr lang="zh-CN" altLang="en-US" smtClean="0"/>
-              <a:t>2021/6/20</a:t>
+              <a:t>2021/7/2</a:t>
             </a:fld>
             <a:endParaRPr lang="zh-CN" altLang="en-US"/>
           </a:p>
@@ -468,7 +470,7 @@
           <a:p>
             <a:fld id="{1D8459D6-ECED-4443-BF3B-0E3201C0E04C}" type="datetimeFigureOut">
               <a:rPr lang="zh-CN" altLang="en-US" smtClean="0"/>
-              <a:t>2021/6/20</a:t>
+              <a:t>2021/7/2</a:t>
             </a:fld>
             <a:endParaRPr lang="zh-CN" altLang="en-US"/>
           </a:p>
@@ -676,7 +678,7 @@
           <a:p>
             <a:fld id="{1D8459D6-ECED-4443-BF3B-0E3201C0E04C}" type="datetimeFigureOut">
               <a:rPr lang="zh-CN" altLang="en-US" smtClean="0"/>
-              <a:t>2021/6/20</a:t>
+              <a:t>2021/7/2</a:t>
             </a:fld>
             <a:endParaRPr lang="zh-CN" altLang="en-US"/>
           </a:p>
@@ -874,7 +876,7 @@
           <a:p>
             <a:fld id="{1D8459D6-ECED-4443-BF3B-0E3201C0E04C}" type="datetimeFigureOut">
               <a:rPr lang="zh-CN" altLang="en-US" smtClean="0"/>
-              <a:t>2021/6/20</a:t>
+              <a:t>2021/7/2</a:t>
             </a:fld>
             <a:endParaRPr lang="zh-CN" altLang="en-US"/>
           </a:p>
@@ -1149,7 +1151,7 @@
           <a:p>
             <a:fld id="{1D8459D6-ECED-4443-BF3B-0E3201C0E04C}" type="datetimeFigureOut">
               <a:rPr lang="zh-CN" altLang="en-US" smtClean="0"/>
-              <a:t>2021/6/20</a:t>
+              <a:t>2021/7/2</a:t>
             </a:fld>
             <a:endParaRPr lang="zh-CN" altLang="en-US"/>
           </a:p>
@@ -1414,7 +1416,7 @@
           <a:p>
             <a:fld id="{1D8459D6-ECED-4443-BF3B-0E3201C0E04C}" type="datetimeFigureOut">
               <a:rPr lang="zh-CN" altLang="en-US" smtClean="0"/>
-              <a:t>2021/6/20</a:t>
+              <a:t>2021/7/2</a:t>
             </a:fld>
             <a:endParaRPr lang="zh-CN" altLang="en-US"/>
           </a:p>
@@ -1826,7 +1828,7 @@
           <a:p>
             <a:fld id="{1D8459D6-ECED-4443-BF3B-0E3201C0E04C}" type="datetimeFigureOut">
               <a:rPr lang="zh-CN" altLang="en-US" smtClean="0"/>
-              <a:t>2021/6/20</a:t>
+              <a:t>2021/7/2</a:t>
             </a:fld>
             <a:endParaRPr lang="zh-CN" altLang="en-US"/>
           </a:p>
@@ -1967,7 +1969,7 @@
           <a:p>
             <a:fld id="{1D8459D6-ECED-4443-BF3B-0E3201C0E04C}" type="datetimeFigureOut">
               <a:rPr lang="zh-CN" altLang="en-US" smtClean="0"/>
-              <a:t>2021/6/20</a:t>
+              <a:t>2021/7/2</a:t>
             </a:fld>
             <a:endParaRPr lang="zh-CN" altLang="en-US"/>
           </a:p>
@@ -2080,7 +2082,7 @@
           <a:p>
             <a:fld id="{1D8459D6-ECED-4443-BF3B-0E3201C0E04C}" type="datetimeFigureOut">
               <a:rPr lang="zh-CN" altLang="en-US" smtClean="0"/>
-              <a:t>2021/6/20</a:t>
+              <a:t>2021/7/2</a:t>
             </a:fld>
             <a:endParaRPr lang="zh-CN" altLang="en-US"/>
           </a:p>
@@ -2391,7 +2393,7 @@
           <a:p>
             <a:fld id="{1D8459D6-ECED-4443-BF3B-0E3201C0E04C}" type="datetimeFigureOut">
               <a:rPr lang="zh-CN" altLang="en-US" smtClean="0"/>
-              <a:t>2021/6/20</a:t>
+              <a:t>2021/7/2</a:t>
             </a:fld>
             <a:endParaRPr lang="zh-CN" altLang="en-US"/>
           </a:p>
@@ -2679,7 +2681,7 @@
           <a:p>
             <a:fld id="{1D8459D6-ECED-4443-BF3B-0E3201C0E04C}" type="datetimeFigureOut">
               <a:rPr lang="zh-CN" altLang="en-US" smtClean="0"/>
-              <a:t>2021/6/20</a:t>
+              <a:t>2021/7/2</a:t>
             </a:fld>
             <a:endParaRPr lang="zh-CN" altLang="en-US"/>
           </a:p>
@@ -2920,7 +2922,7 @@
           <a:p>
             <a:fld id="{1D8459D6-ECED-4443-BF3B-0E3201C0E04C}" type="datetimeFigureOut">
               <a:rPr lang="zh-CN" altLang="en-US" smtClean="0"/>
-              <a:t>2021/6/20</a:t>
+              <a:t>2021/7/2</a:t>
             </a:fld>
             <a:endParaRPr lang="zh-CN" altLang="en-US"/>
           </a:p>
@@ -4228,6 +4230,456 @@
 </p:sld>
 </file>
 
+<file path=ppt/slides/slide2.xml><?xml version="1.0" encoding="utf-8"?>
+<p:sld xmlns:a="http://schemas.openxmlformats.org/drawingml/2006/main" xmlns:r="http://schemas.openxmlformats.org/officeDocument/2006/relationships" xmlns:p="http://schemas.openxmlformats.org/presentationml/2006/main">
+  <p:cSld>
+    <p:spTree>
+      <p:nvGrpSpPr>
+        <p:cNvPr id="1" name=""/>
+        <p:cNvGrpSpPr/>
+        <p:nvPr/>
+      </p:nvGrpSpPr>
+      <p:grpSpPr>
+        <a:xfrm>
+          <a:off x="0" y="0"/>
+          <a:ext cx="0" cy="0"/>
+          <a:chOff x="0" y="0"/>
+          <a:chExt cx="0" cy="0"/>
+        </a:xfrm>
+      </p:grpSpPr>
+      <p:pic>
+        <p:nvPicPr>
+          <p:cNvPr id="5" name="图片 4">
+            <a:extLst>
+              <a:ext uri="{FF2B5EF4-FFF2-40B4-BE49-F238E27FC236}">
+                <a16:creationId xmlns:a16="http://schemas.microsoft.com/office/drawing/2014/main" id="{80C021C3-259C-4530-9079-36D25671B514}"/>
+              </a:ext>
+            </a:extLst>
+          </p:cNvPr>
+          <p:cNvPicPr>
+            <a:picLocks noChangeAspect="1"/>
+          </p:cNvPicPr>
+          <p:nvPr/>
+        </p:nvPicPr>
+        <p:blipFill>
+          <a:blip r:embed="rId2"/>
+          <a:stretch>
+            <a:fillRect/>
+          </a:stretch>
+        </p:blipFill>
+        <p:spPr>
+          <a:xfrm>
+            <a:off x="1922406" y="1678696"/>
+            <a:ext cx="5499383" cy="2749691"/>
+          </a:xfrm>
+          <a:prstGeom prst="rect">
+            <a:avLst/>
+          </a:prstGeom>
+        </p:spPr>
+      </p:pic>
+    </p:spTree>
+    <p:extLst>
+      <p:ext uri="{BB962C8B-B14F-4D97-AF65-F5344CB8AC3E}">
+        <p14:creationId xmlns:p14="http://schemas.microsoft.com/office/powerpoint/2010/main" val="274724842"/>
+      </p:ext>
+    </p:extLst>
+  </p:cSld>
+  <p:clrMapOvr>
+    <a:masterClrMapping/>
+  </p:clrMapOvr>
+</p:sld>
+</file>
+
+<file path=ppt/slides/slide3.xml><?xml version="1.0" encoding="utf-8"?>
+<p:sld xmlns:a="http://schemas.openxmlformats.org/drawingml/2006/main" xmlns:r="http://schemas.openxmlformats.org/officeDocument/2006/relationships" xmlns:p="http://schemas.openxmlformats.org/presentationml/2006/main">
+  <p:cSld>
+    <p:spTree>
+      <p:nvGrpSpPr>
+        <p:cNvPr id="1" name=""/>
+        <p:cNvGrpSpPr/>
+        <p:nvPr/>
+      </p:nvGrpSpPr>
+      <p:grpSpPr>
+        <a:xfrm>
+          <a:off x="0" y="0"/>
+          <a:ext cx="0" cy="0"/>
+          <a:chOff x="0" y="0"/>
+          <a:chExt cx="0" cy="0"/>
+        </a:xfrm>
+      </p:grpSpPr>
+      <p:grpSp>
+        <p:nvGrpSpPr>
+          <p:cNvPr id="13" name="组合 12">
+            <a:extLst>
+              <a:ext uri="{FF2B5EF4-FFF2-40B4-BE49-F238E27FC236}">
+                <a16:creationId xmlns:a16="http://schemas.microsoft.com/office/drawing/2014/main" id="{A422837B-E60B-4503-BB35-4B41D17C8CBB}"/>
+              </a:ext>
+            </a:extLst>
+          </p:cNvPr>
+          <p:cNvGrpSpPr/>
+          <p:nvPr/>
+        </p:nvGrpSpPr>
+        <p:grpSpPr>
+          <a:xfrm>
+            <a:off x="2620906" y="1729496"/>
+            <a:ext cx="5499383" cy="2749691"/>
+            <a:chOff x="2620906" y="1729496"/>
+            <a:chExt cx="5499383" cy="2749691"/>
+          </a:xfrm>
+        </p:grpSpPr>
+        <p:pic>
+          <p:nvPicPr>
+            <p:cNvPr id="5" name="图片 4">
+              <a:extLst>
+                <a:ext uri="{FF2B5EF4-FFF2-40B4-BE49-F238E27FC236}">
+                  <a16:creationId xmlns:a16="http://schemas.microsoft.com/office/drawing/2014/main" id="{80C021C3-259C-4530-9079-36D25671B514}"/>
+                </a:ext>
+              </a:extLst>
+            </p:cNvPr>
+            <p:cNvPicPr>
+              <a:picLocks noChangeAspect="1"/>
+            </p:cNvPicPr>
+            <p:nvPr/>
+          </p:nvPicPr>
+          <p:blipFill>
+            <a:blip r:embed="rId2"/>
+            <a:stretch>
+              <a:fillRect/>
+            </a:stretch>
+          </p:blipFill>
+          <p:spPr>
+            <a:xfrm>
+              <a:off x="2620906" y="1729496"/>
+              <a:ext cx="5499383" cy="2749691"/>
+            </a:xfrm>
+            <a:prstGeom prst="rect">
+              <a:avLst/>
+            </a:prstGeom>
+          </p:spPr>
+        </p:pic>
+        <p:sp>
+          <p:nvSpPr>
+            <p:cNvPr id="6" name="文本框 5">
+              <a:extLst>
+                <a:ext uri="{FF2B5EF4-FFF2-40B4-BE49-F238E27FC236}">
+                  <a16:creationId xmlns:a16="http://schemas.microsoft.com/office/drawing/2014/main" id="{FE2F7CB5-F7A9-4DC5-8781-57AB20B8976C}"/>
+                </a:ext>
+              </a:extLst>
+            </p:cNvPr>
+            <p:cNvSpPr txBox="1"/>
+            <p:nvPr/>
+          </p:nvSpPr>
+          <p:spPr>
+            <a:xfrm>
+              <a:off x="5683250" y="2533650"/>
+              <a:ext cx="266420" cy="276999"/>
+            </a:xfrm>
+            <a:prstGeom prst="rect">
+              <a:avLst/>
+            </a:prstGeom>
+            <a:noFill/>
+          </p:spPr>
+          <p:txBody>
+            <a:bodyPr wrap="none" rtlCol="0">
+              <a:spAutoFit/>
+            </a:bodyPr>
+            <a:lstStyle/>
+            <a:p>
+              <a:r>
+                <a:rPr lang="en-US" altLang="zh-CN" sz="1200" dirty="0">
+                  <a:solidFill>
+                    <a:srgbClr val="FF0000"/>
+                  </a:solidFill>
+                </a:rPr>
+                <a:t>0</a:t>
+              </a:r>
+              <a:endParaRPr lang="zh-CN" altLang="en-US" sz="1200" dirty="0">
+                <a:solidFill>
+                  <a:srgbClr val="FF0000"/>
+                </a:solidFill>
+              </a:endParaRPr>
+            </a:p>
+          </p:txBody>
+        </p:sp>
+        <p:sp>
+          <p:nvSpPr>
+            <p:cNvPr id="7" name="文本框 6">
+              <a:extLst>
+                <a:ext uri="{FF2B5EF4-FFF2-40B4-BE49-F238E27FC236}">
+                  <a16:creationId xmlns:a16="http://schemas.microsoft.com/office/drawing/2014/main" id="{A3CE993C-4A69-4E92-A5EF-71D446D6C8E6}"/>
+                </a:ext>
+              </a:extLst>
+            </p:cNvPr>
+            <p:cNvSpPr txBox="1"/>
+            <p:nvPr/>
+          </p:nvSpPr>
+          <p:spPr>
+            <a:xfrm>
+              <a:off x="5867400" y="2533650"/>
+              <a:ext cx="266420" cy="276999"/>
+            </a:xfrm>
+            <a:prstGeom prst="rect">
+              <a:avLst/>
+            </a:prstGeom>
+            <a:noFill/>
+          </p:spPr>
+          <p:txBody>
+            <a:bodyPr wrap="none" rtlCol="0">
+              <a:spAutoFit/>
+            </a:bodyPr>
+            <a:lstStyle/>
+            <a:p>
+              <a:r>
+                <a:rPr lang="en-US" altLang="zh-CN" sz="1200" dirty="0">
+                  <a:solidFill>
+                    <a:srgbClr val="FF0000"/>
+                  </a:solidFill>
+                </a:rPr>
+                <a:t>0</a:t>
+              </a:r>
+              <a:endParaRPr lang="zh-CN" altLang="en-US" sz="1200" dirty="0">
+                <a:solidFill>
+                  <a:srgbClr val="FF0000"/>
+                </a:solidFill>
+              </a:endParaRPr>
+            </a:p>
+          </p:txBody>
+        </p:sp>
+        <p:sp>
+          <p:nvSpPr>
+            <p:cNvPr id="8" name="文本框 7">
+              <a:extLst>
+                <a:ext uri="{FF2B5EF4-FFF2-40B4-BE49-F238E27FC236}">
+                  <a16:creationId xmlns:a16="http://schemas.microsoft.com/office/drawing/2014/main" id="{F7CF8C21-F452-4240-A913-E7A3A7F5289C}"/>
+                </a:ext>
+              </a:extLst>
+            </p:cNvPr>
+            <p:cNvSpPr txBox="1"/>
+            <p:nvPr/>
+          </p:nvSpPr>
+          <p:spPr>
+            <a:xfrm>
+              <a:off x="6038710" y="2533650"/>
+              <a:ext cx="266420" cy="276999"/>
+            </a:xfrm>
+            <a:prstGeom prst="rect">
+              <a:avLst/>
+            </a:prstGeom>
+            <a:noFill/>
+          </p:spPr>
+          <p:txBody>
+            <a:bodyPr wrap="none" rtlCol="0">
+              <a:spAutoFit/>
+            </a:bodyPr>
+            <a:lstStyle/>
+            <a:p>
+              <a:r>
+                <a:rPr lang="en-US" altLang="zh-CN" sz="1200" dirty="0">
+                  <a:solidFill>
+                    <a:srgbClr val="FF0000"/>
+                  </a:solidFill>
+                </a:rPr>
+                <a:t>0</a:t>
+              </a:r>
+              <a:endParaRPr lang="zh-CN" altLang="en-US" sz="1200" dirty="0">
+                <a:solidFill>
+                  <a:srgbClr val="FF0000"/>
+                </a:solidFill>
+              </a:endParaRPr>
+            </a:p>
+          </p:txBody>
+        </p:sp>
+        <p:sp>
+          <p:nvSpPr>
+            <p:cNvPr id="9" name="文本框 8">
+              <a:extLst>
+                <a:ext uri="{FF2B5EF4-FFF2-40B4-BE49-F238E27FC236}">
+                  <a16:creationId xmlns:a16="http://schemas.microsoft.com/office/drawing/2014/main" id="{8D564B19-226C-4006-86A0-2C7F4E6ACD9C}"/>
+                </a:ext>
+              </a:extLst>
+            </p:cNvPr>
+            <p:cNvSpPr txBox="1"/>
+            <p:nvPr/>
+          </p:nvSpPr>
+          <p:spPr>
+            <a:xfrm>
+              <a:off x="5867400" y="2724150"/>
+              <a:ext cx="266420" cy="276999"/>
+            </a:xfrm>
+            <a:prstGeom prst="rect">
+              <a:avLst/>
+            </a:prstGeom>
+            <a:noFill/>
+          </p:spPr>
+          <p:txBody>
+            <a:bodyPr wrap="none" rtlCol="0">
+              <a:spAutoFit/>
+            </a:bodyPr>
+            <a:lstStyle/>
+            <a:p>
+              <a:r>
+                <a:rPr lang="en-US" altLang="zh-CN" sz="1200" dirty="0">
+                  <a:solidFill>
+                    <a:srgbClr val="FF0000"/>
+                  </a:solidFill>
+                </a:rPr>
+                <a:t>0</a:t>
+              </a:r>
+              <a:endParaRPr lang="zh-CN" altLang="en-US" sz="1200" dirty="0">
+                <a:solidFill>
+                  <a:srgbClr val="FF0000"/>
+                </a:solidFill>
+              </a:endParaRPr>
+            </a:p>
+          </p:txBody>
+        </p:sp>
+        <p:sp>
+          <p:nvSpPr>
+            <p:cNvPr id="10" name="文本框 9">
+              <a:extLst>
+                <a:ext uri="{FF2B5EF4-FFF2-40B4-BE49-F238E27FC236}">
+                  <a16:creationId xmlns:a16="http://schemas.microsoft.com/office/drawing/2014/main" id="{77E43374-8FFB-4E05-AD23-860C9BEB9E23}"/>
+                </a:ext>
+              </a:extLst>
+            </p:cNvPr>
+            <p:cNvSpPr txBox="1"/>
+            <p:nvPr/>
+          </p:nvSpPr>
+          <p:spPr>
+            <a:xfrm>
+              <a:off x="6038710" y="2724150"/>
+              <a:ext cx="266420" cy="276999"/>
+            </a:xfrm>
+            <a:prstGeom prst="rect">
+              <a:avLst/>
+            </a:prstGeom>
+            <a:noFill/>
+          </p:spPr>
+          <p:txBody>
+            <a:bodyPr wrap="none" rtlCol="0">
+              <a:spAutoFit/>
+            </a:bodyPr>
+            <a:lstStyle/>
+            <a:p>
+              <a:r>
+                <a:rPr lang="en-US" altLang="zh-CN" sz="1200" dirty="0">
+                  <a:solidFill>
+                    <a:srgbClr val="FF0000"/>
+                  </a:solidFill>
+                </a:rPr>
+                <a:t>0</a:t>
+              </a:r>
+              <a:endParaRPr lang="zh-CN" altLang="en-US" sz="1200" dirty="0">
+                <a:solidFill>
+                  <a:srgbClr val="FF0000"/>
+                </a:solidFill>
+              </a:endParaRPr>
+            </a:p>
+          </p:txBody>
+        </p:sp>
+        <p:sp>
+          <p:nvSpPr>
+            <p:cNvPr id="11" name="文本框 10">
+              <a:extLst>
+                <a:ext uri="{FF2B5EF4-FFF2-40B4-BE49-F238E27FC236}">
+                  <a16:creationId xmlns:a16="http://schemas.microsoft.com/office/drawing/2014/main" id="{21EFAA1F-C6F0-485E-B8F6-1128CC51E083}"/>
+                </a:ext>
+              </a:extLst>
+            </p:cNvPr>
+            <p:cNvSpPr txBox="1"/>
+            <p:nvPr/>
+          </p:nvSpPr>
+          <p:spPr>
+            <a:xfrm>
+              <a:off x="6038710" y="2901950"/>
+              <a:ext cx="266420" cy="276999"/>
+            </a:xfrm>
+            <a:prstGeom prst="rect">
+              <a:avLst/>
+            </a:prstGeom>
+            <a:noFill/>
+          </p:spPr>
+          <p:txBody>
+            <a:bodyPr wrap="none" rtlCol="0">
+              <a:spAutoFit/>
+            </a:bodyPr>
+            <a:lstStyle/>
+            <a:p>
+              <a:r>
+                <a:rPr lang="en-US" altLang="zh-CN" sz="1200" dirty="0">
+                  <a:solidFill>
+                    <a:srgbClr val="FF0000"/>
+                  </a:solidFill>
+                </a:rPr>
+                <a:t>0</a:t>
+              </a:r>
+              <a:endParaRPr lang="zh-CN" altLang="en-US" sz="1200" dirty="0">
+                <a:solidFill>
+                  <a:srgbClr val="FF0000"/>
+                </a:solidFill>
+              </a:endParaRPr>
+            </a:p>
+          </p:txBody>
+        </p:sp>
+        <p:sp>
+          <p:nvSpPr>
+            <p:cNvPr id="12" name="矩形 11">
+              <a:extLst>
+                <a:ext uri="{FF2B5EF4-FFF2-40B4-BE49-F238E27FC236}">
+                  <a16:creationId xmlns:a16="http://schemas.microsoft.com/office/drawing/2014/main" id="{A5C59AB8-F937-410B-B2A5-1CE1B4DDEBC9}"/>
+                </a:ext>
+              </a:extLst>
+            </p:cNvPr>
+            <p:cNvSpPr/>
+            <p:nvPr/>
+          </p:nvSpPr>
+          <p:spPr>
+            <a:xfrm>
+              <a:off x="4267130" y="2552700"/>
+              <a:ext cx="1975202" cy="787400"/>
+            </a:xfrm>
+            <a:prstGeom prst="rect">
+              <a:avLst/>
+            </a:prstGeom>
+            <a:noFill/>
+          </p:spPr>
+          <p:style>
+            <a:lnRef idx="2">
+              <a:schemeClr val="accent2"/>
+            </a:lnRef>
+            <a:fillRef idx="1">
+              <a:schemeClr val="lt1"/>
+            </a:fillRef>
+            <a:effectRef idx="0">
+              <a:schemeClr val="accent2"/>
+            </a:effectRef>
+            <a:fontRef idx="minor">
+              <a:schemeClr val="dk1"/>
+            </a:fontRef>
+          </p:style>
+          <p:txBody>
+            <a:bodyPr rtlCol="0" anchor="ctr"/>
+            <a:lstStyle/>
+            <a:p>
+              <a:pPr algn="ctr"/>
+              <a:endParaRPr lang="zh-CN" altLang="en-US"/>
+            </a:p>
+          </p:txBody>
+        </p:sp>
+      </p:grpSp>
+    </p:spTree>
+    <p:extLst>
+      <p:ext uri="{BB962C8B-B14F-4D97-AF65-F5344CB8AC3E}">
+        <p14:creationId xmlns:p14="http://schemas.microsoft.com/office/powerpoint/2010/main" val="3510779036"/>
+      </p:ext>
+    </p:extLst>
+  </p:cSld>
+  <p:clrMapOvr>
+    <a:masterClrMapping/>
+  </p:clrMapOvr>
+</p:sld>
+</file>
+
 <file path=ppt/theme/theme1.xml><?xml version="1.0" encoding="utf-8"?>
 <a:theme xmlns:a="http://schemas.openxmlformats.org/drawingml/2006/main" name="Office 主题​​">
   <a:themeElements>
